--- a/优化programmingWindows_2 .pptx
+++ b/优化programmingWindows_2 .pptx
@@ -3403,7 +3403,7 @@
           <a:p>
             <a:fld id="{62B690D2-9F6C-4A40-B045-5871089CDE7B}" type="datetimeFigureOut">
               <a:rPr lang="zh-CN" altLang="en-US" smtClean="0"/>
-              <a:t>2018/9/21</a:t>
+              <a:t>2018/9/22</a:t>
             </a:fld>
             <a:endParaRPr lang="zh-CN" altLang="en-US"/>
           </a:p>
@@ -32688,10 +32688,10 @@
       </p:sp>
       <p:pic>
         <p:nvPicPr>
-          <p:cNvPr id="3" name="图片 2">
+          <p:cNvPr id="4" name="图片 3">
             <a:extLst>
               <a:ext uri="{FF2B5EF4-FFF2-40B4-BE49-F238E27FC236}">
-                <a16:creationId xmlns:a16="http://schemas.microsoft.com/office/drawing/2014/main" id="{2D4F2C90-BFC3-4486-B0E5-B08251A92B81}"/>
+                <a16:creationId xmlns:a16="http://schemas.microsoft.com/office/drawing/2014/main" id="{B7F8D8E2-A010-426E-9250-E886D8E1B63F}"/>
               </a:ext>
             </a:extLst>
           </p:cNvPr>
@@ -32708,8 +32708,8 @@
         </p:blipFill>
         <p:spPr>
           <a:xfrm>
-            <a:off x="2515805" y="2165154"/>
-            <a:ext cx="6738910" cy="4502864"/>
+            <a:off x="2554021" y="2109736"/>
+            <a:ext cx="7083958" cy="4702887"/>
           </a:xfrm>
           <a:prstGeom prst="rect">
             <a:avLst/>

--- a/优化programmingWindows_2 .pptx
+++ b/优化programmingWindows_2 .pptx
@@ -32680,7 +32680,11 @@
             </a:pPr>
             <a:r>
               <a:rPr lang="en-US" altLang="zh-CN" sz="2400" dirty="0"/>
-              <a:t>Project -&gt; Properties -&gt; Linker -&gt; General -&gt; Output File</a:t>
+              <a:t>Project -&gt; Properties -&gt; Linker -&gt; Advanced -&gt; </a:t>
+            </a:r>
+            <a:r>
+              <a:rPr lang="en-US" altLang="zh-CN" sz="2400"/>
+              <a:t>Import Library</a:t>
             </a:r>
             <a:endParaRPr lang="zh-CN" altLang="en-US" sz="2400" dirty="0"/>
           </a:p>
